--- a/포트폴리오/GitHub_Hosting/다운로드 압축 파일/차량 판매 관리 프로그램/자동차 판매 관리 프로그램 - 양화영.pptx
+++ b/포트폴리오/GitHub_Hosting/다운로드 압축 파일/차량 판매 관리 프로그램/자동차 판매 관리 프로그램 - 양화영.pptx
@@ -282,7 +282,7 @@
                 </a:solidFill>
               </a:rPr>
               <a:pPr/>
-              <a:t>2021-05-06</a:t>
+              <a:t>2021-05-12</a:t>
             </a:fld>
             <a:endParaRPr lang="ko-KR" altLang="en-US">
               <a:solidFill>
@@ -512,7 +512,7 @@
                 </a:solidFill>
               </a:rPr>
               <a:pPr/>
-              <a:t>2021-05-06</a:t>
+              <a:t>2021-05-12</a:t>
             </a:fld>
             <a:endParaRPr lang="ko-KR" altLang="en-US">
               <a:solidFill>
@@ -752,7 +752,7 @@
                 </a:solidFill>
               </a:rPr>
               <a:pPr/>
-              <a:t>2021-05-06</a:t>
+              <a:t>2021-05-12</a:t>
             </a:fld>
             <a:endParaRPr lang="ko-KR" altLang="en-US">
               <a:solidFill>
@@ -982,7 +982,7 @@
                 </a:solidFill>
               </a:rPr>
               <a:pPr/>
-              <a:t>2021-05-06</a:t>
+              <a:t>2021-05-12</a:t>
             </a:fld>
             <a:endParaRPr lang="ko-KR" altLang="en-US">
               <a:solidFill>
@@ -1289,7 +1289,7 @@
                 </a:solidFill>
               </a:rPr>
               <a:pPr/>
-              <a:t>2021-05-06</a:t>
+              <a:t>2021-05-12</a:t>
             </a:fld>
             <a:endParaRPr lang="ko-KR" altLang="en-US">
               <a:solidFill>
@@ -1586,7 +1586,7 @@
                 </a:solidFill>
               </a:rPr>
               <a:pPr/>
-              <a:t>2021-05-06</a:t>
+              <a:t>2021-05-12</a:t>
             </a:fld>
             <a:endParaRPr lang="ko-KR" altLang="en-US">
               <a:solidFill>
@@ -2030,7 +2030,7 @@
                 </a:solidFill>
               </a:rPr>
               <a:pPr/>
-              <a:t>2021-05-06</a:t>
+              <a:t>2021-05-12</a:t>
             </a:fld>
             <a:endParaRPr lang="ko-KR" altLang="en-US">
               <a:solidFill>
@@ -2203,7 +2203,7 @@
                 </a:solidFill>
               </a:rPr>
               <a:pPr/>
-              <a:t>2021-05-06</a:t>
+              <a:t>2021-05-12</a:t>
             </a:fld>
             <a:endParaRPr lang="ko-KR" altLang="en-US">
               <a:solidFill>
@@ -2348,7 +2348,7 @@
                 </a:solidFill>
               </a:rPr>
               <a:pPr/>
-              <a:t>2021-05-06</a:t>
+              <a:t>2021-05-12</a:t>
             </a:fld>
             <a:endParaRPr lang="ko-KR" altLang="en-US">
               <a:solidFill>
@@ -2691,7 +2691,7 @@
                 </a:solidFill>
               </a:rPr>
               <a:pPr/>
-              <a:t>2021-05-06</a:t>
+              <a:t>2021-05-12</a:t>
             </a:fld>
             <a:endParaRPr lang="ko-KR" altLang="en-US">
               <a:solidFill>
@@ -3011,7 +3011,7 @@
                 </a:solidFill>
               </a:rPr>
               <a:pPr/>
-              <a:t>2021-05-06</a:t>
+              <a:t>2021-05-12</a:t>
             </a:fld>
             <a:endParaRPr lang="ko-KR" altLang="en-US">
               <a:solidFill>
@@ -3284,7 +3284,7 @@
                 </a:solidFill>
               </a:rPr>
               <a:pPr/>
-              <a:t>2021-05-06</a:t>
+              <a:t>2021-05-12</a:t>
             </a:fld>
             <a:endParaRPr lang="ko-KR" altLang="en-US">
               <a:solidFill>
@@ -8452,15 +8452,7 @@
                   <a:prstClr val="white"/>
                 </a:solidFill>
               </a:rPr>
-              <a:t>사용자 </a:t>
-            </a:r>
-            <a:r>
-              <a:rPr lang="ko-KR" altLang="en-US" sz="1200" dirty="0" smtClean="0">
-                <a:solidFill>
-                  <a:prstClr val="white"/>
-                </a:solidFill>
-              </a:rPr>
-              <a:t>측면의 </a:t>
+              <a:t>사용자 측면의 </a:t>
             </a:r>
             <a:r>
               <a:rPr lang="en-US" altLang="ko-KR" sz="1200" dirty="0" smtClean="0">
@@ -14250,7 +14242,7 @@
         </p:nvSpPr>
         <p:spPr>
           <a:xfrm>
-            <a:off x="4965487" y="2257632"/>
+            <a:off x="3790517" y="2250755"/>
             <a:ext cx="1846730" cy="1846730"/>
           </a:xfrm>
           <a:prstGeom prst="ellipse">
@@ -14327,7 +14319,7 @@
         </p:nvSpPr>
         <p:spPr>
           <a:xfrm>
-            <a:off x="8808447" y="2250755"/>
+            <a:off x="9518654" y="2204100"/>
             <a:ext cx="1846730" cy="1846730"/>
           </a:xfrm>
           <a:prstGeom prst="ellipse">
@@ -14404,7 +14396,7 @@
         </p:nvSpPr>
         <p:spPr>
           <a:xfrm>
-            <a:off x="1460426" y="4990842"/>
+            <a:off x="1118631" y="4990842"/>
             <a:ext cx="1759474" cy="354241"/>
           </a:xfrm>
           <a:prstGeom prst="rect">
@@ -14470,7 +14462,7 @@
         </p:nvSpPr>
         <p:spPr>
           <a:xfrm>
-            <a:off x="1421895" y="2257350"/>
+            <a:off x="1080100" y="2257350"/>
             <a:ext cx="1846730" cy="1846730"/>
           </a:xfrm>
           <a:prstGeom prst="ellipse">
@@ -14547,7 +14539,7 @@
         </p:nvSpPr>
         <p:spPr>
           <a:xfrm>
-            <a:off x="1598930" y="4657553"/>
+            <a:off x="1257135" y="4657553"/>
             <a:ext cx="1482466" cy="333289"/>
           </a:xfrm>
           <a:prstGeom prst="roundRect">
@@ -14615,7 +14607,7 @@
         </p:nvSpPr>
         <p:spPr>
           <a:xfrm>
-            <a:off x="5168527" y="4657835"/>
+            <a:off x="3993557" y="4650958"/>
             <a:ext cx="1482466" cy="333289"/>
           </a:xfrm>
           <a:prstGeom prst="roundRect">
@@ -14691,7 +14683,7 @@
         </p:nvSpPr>
         <p:spPr>
           <a:xfrm>
-            <a:off x="8990579" y="4650958"/>
+            <a:off x="9700786" y="4604303"/>
             <a:ext cx="1482466" cy="333289"/>
           </a:xfrm>
           <a:prstGeom prst="roundRect">
@@ -14759,7 +14751,7 @@
         </p:nvSpPr>
         <p:spPr>
           <a:xfrm>
-            <a:off x="2251115" y="1979578"/>
+            <a:off x="1909320" y="1979578"/>
             <a:ext cx="178096" cy="178096"/>
           </a:xfrm>
           <a:prstGeom prst="ellipse">
@@ -14832,7 +14824,7 @@
         </p:nvSpPr>
         <p:spPr>
           <a:xfrm>
-            <a:off x="5820712" y="1983563"/>
+            <a:off x="4645742" y="1976686"/>
             <a:ext cx="178096" cy="178096"/>
           </a:xfrm>
           <a:prstGeom prst="ellipse">
@@ -14905,7 +14897,7 @@
         </p:nvSpPr>
         <p:spPr>
           <a:xfrm>
-            <a:off x="9642764" y="1979578"/>
+            <a:off x="10352971" y="1932923"/>
             <a:ext cx="178096" cy="178096"/>
           </a:xfrm>
           <a:prstGeom prst="ellipse">
@@ -14949,12 +14941,12 @@
           <a:p>
             <a:pPr algn="ctr"/>
             <a:r>
-              <a:rPr lang="en-US" altLang="ko-KR" sz="1200" b="1" dirty="0">
+              <a:rPr lang="en-US" altLang="ko-KR" sz="1200" b="1" dirty="0" smtClean="0">
                 <a:solidFill>
                   <a:srgbClr val="2A2B40"/>
                 </a:solidFill>
               </a:rPr>
-              <a:t>3</a:t>
+              <a:t>4</a:t>
             </a:r>
             <a:endParaRPr lang="ko-KR" altLang="en-US" sz="1200" b="1" dirty="0">
               <a:solidFill>
@@ -14972,7 +14964,7 @@
         </p:nvSpPr>
         <p:spPr>
           <a:xfrm>
-            <a:off x="5152652" y="2445410"/>
+            <a:off x="3977682" y="2438533"/>
             <a:ext cx="1472400" cy="1472400"/>
           </a:xfrm>
           <a:prstGeom prst="ellipse">
@@ -15018,7 +15010,7 @@
         </p:nvSpPr>
         <p:spPr>
           <a:xfrm>
-            <a:off x="9000645" y="2427533"/>
+            <a:off x="9710852" y="2380878"/>
             <a:ext cx="1472400" cy="1472400"/>
           </a:xfrm>
           <a:prstGeom prst="ellipse">
@@ -15118,7 +15110,7 @@
         </p:nvSpPr>
         <p:spPr>
           <a:xfrm>
-            <a:off x="5009115" y="4990842"/>
+            <a:off x="3834145" y="4983965"/>
             <a:ext cx="1759474" cy="354241"/>
           </a:xfrm>
           <a:prstGeom prst="rect">
@@ -15184,7 +15176,7 @@
         </p:nvSpPr>
         <p:spPr>
           <a:xfrm>
-            <a:off x="8556303" y="4990842"/>
+            <a:off x="9266510" y="4944187"/>
             <a:ext cx="2358308" cy="354241"/>
           </a:xfrm>
           <a:prstGeom prst="rect">
@@ -15268,7 +15260,7 @@
         </p:nvSpPr>
         <p:spPr>
           <a:xfrm>
-            <a:off x="1603963" y="2444159"/>
+            <a:off x="1262168" y="2444159"/>
             <a:ext cx="1472400" cy="1472400"/>
           </a:xfrm>
           <a:prstGeom prst="ellipse">
@@ -15328,7 +15320,7 @@
         </p:blipFill>
         <p:spPr>
           <a:xfrm>
-            <a:off x="1857505" y="2631752"/>
+            <a:off x="1515710" y="2631752"/>
             <a:ext cx="965316" cy="1063961"/>
           </a:xfrm>
           <a:prstGeom prst="rect">
@@ -15358,7 +15350,7 @@
         </p:blipFill>
         <p:spPr>
           <a:xfrm>
-            <a:off x="4978204" y="2420243"/>
+            <a:off x="3803234" y="2413366"/>
             <a:ext cx="1888085" cy="1479690"/>
           </a:xfrm>
           <a:prstGeom prst="rect">
@@ -15388,8 +15380,368 @@
         </p:blipFill>
         <p:spPr>
           <a:xfrm>
-            <a:off x="9365056" y="2703095"/>
+            <a:off x="10075263" y="2656440"/>
             <a:ext cx="741777" cy="926636"/>
+          </a:xfrm>
+          <a:prstGeom prst="rect">
+            <a:avLst/>
+          </a:prstGeom>
+        </p:spPr>
+      </p:pic>
+      <p:sp>
+        <p:nvSpPr>
+          <p:cNvPr id="30" name="타원 29">
+            <a:extLst>
+              <a:ext uri="{FF2B5EF4-FFF2-40B4-BE49-F238E27FC236}">
+                <a16:creationId xmlns:a16="http://schemas.microsoft.com/office/drawing/2014/main" id="{02C7A8F2-984F-41B8-9C48-1ECC432409C6}"/>
+              </a:ext>
+            </a:extLst>
+          </p:cNvPr>
+          <p:cNvSpPr/>
+          <p:nvPr/>
+        </p:nvSpPr>
+        <p:spPr>
+          <a:xfrm>
+            <a:off x="6566036" y="2250755"/>
+            <a:ext cx="1846730" cy="1846730"/>
+          </a:xfrm>
+          <a:prstGeom prst="ellipse">
+            <a:avLst/>
+          </a:prstGeom>
+          <a:noFill/>
+          <a:ln w="381000">
+            <a:gradFill flip="none" rotWithShape="1">
+              <a:gsLst>
+                <a:gs pos="35000">
+                  <a:schemeClr val="bg1">
+                    <a:alpha val="0"/>
+                  </a:schemeClr>
+                </a:gs>
+                <a:gs pos="80000">
+                  <a:schemeClr val="bg1">
+                    <a:alpha val="59000"/>
+                  </a:schemeClr>
+                </a:gs>
+              </a:gsLst>
+              <a:path path="circle">
+                <a:fillToRect l="50000" t="50000" r="50000" b="50000"/>
+              </a:path>
+              <a:tileRect/>
+            </a:gradFill>
+          </a:ln>
+        </p:spPr>
+        <p:style>
+          <a:lnRef idx="2">
+            <a:schemeClr val="accent1">
+              <a:shade val="50000"/>
+            </a:schemeClr>
+          </a:lnRef>
+          <a:fillRef idx="1">
+            <a:schemeClr val="accent1"/>
+          </a:fillRef>
+          <a:effectRef idx="0">
+            <a:schemeClr val="accent1"/>
+          </a:effectRef>
+          <a:fontRef idx="minor">
+            <a:schemeClr val="lt1"/>
+          </a:fontRef>
+        </p:style>
+        <p:txBody>
+          <a:bodyPr rtlCol="0" anchor="ctr"/>
+          <a:lstStyle/>
+          <a:p>
+            <a:pPr algn="ctr">
+              <a:lnSpc>
+                <a:spcPct val="150000"/>
+              </a:lnSpc>
+              <a:defRPr/>
+            </a:pPr>
+            <a:endParaRPr lang="en-US" altLang="ko-KR" sz="600" b="1" dirty="0">
+              <a:solidFill>
+                <a:prstClr val="white"/>
+              </a:solidFill>
+              <a:cs typeface="Aharoni" panose="02010803020104030203" pitchFamily="2" charset="-79"/>
+            </a:endParaRPr>
+          </a:p>
+        </p:txBody>
+      </p:sp>
+      <p:sp>
+        <p:nvSpPr>
+          <p:cNvPr id="31" name="사각형: 둥근 모서리 56">
+            <a:extLst>
+              <a:ext uri="{FF2B5EF4-FFF2-40B4-BE49-F238E27FC236}">
+                <a16:creationId xmlns:a16="http://schemas.microsoft.com/office/drawing/2014/main" id="{F1474A9A-1597-4CDB-AF1C-2707F34D7530}"/>
+              </a:ext>
+            </a:extLst>
+          </p:cNvPr>
+          <p:cNvSpPr/>
+          <p:nvPr/>
+        </p:nvSpPr>
+        <p:spPr>
+          <a:xfrm>
+            <a:off x="6769076" y="4650958"/>
+            <a:ext cx="1482466" cy="333289"/>
+          </a:xfrm>
+          <a:prstGeom prst="roundRect">
+            <a:avLst>
+              <a:gd name="adj" fmla="val 50000"/>
+            </a:avLst>
+          </a:prstGeom>
+          <a:noFill/>
+          <a:ln>
+            <a:solidFill>
+              <a:srgbClr val="F3929D"/>
+            </a:solidFill>
+          </a:ln>
+        </p:spPr>
+        <p:style>
+          <a:lnRef idx="2">
+            <a:schemeClr val="accent1">
+              <a:shade val="50000"/>
+            </a:schemeClr>
+          </a:lnRef>
+          <a:fillRef idx="1">
+            <a:schemeClr val="accent1"/>
+          </a:fillRef>
+          <a:effectRef idx="0">
+            <a:schemeClr val="accent1"/>
+          </a:effectRef>
+          <a:fontRef idx="minor">
+            <a:schemeClr val="lt1"/>
+          </a:fontRef>
+        </p:style>
+        <p:txBody>
+          <a:bodyPr wrap="none" rtlCol="0" anchor="ctr"/>
+          <a:lstStyle/>
+          <a:p>
+            <a:pPr algn="ctr">
+              <a:defRPr/>
+            </a:pPr>
+            <a:r>
+              <a:rPr lang="en-US" altLang="ko-KR" sz="1400" b="1" dirty="0" smtClean="0">
+                <a:solidFill>
+                  <a:srgbClr val="F3929D"/>
+                </a:solidFill>
+              </a:rPr>
+              <a:t>DBMS</a:t>
+            </a:r>
+            <a:endParaRPr lang="en-US" altLang="ko-KR" sz="1050" dirty="0">
+              <a:solidFill>
+                <a:srgbClr val="F3929D"/>
+              </a:solidFill>
+            </a:endParaRPr>
+          </a:p>
+        </p:txBody>
+      </p:sp>
+      <p:sp>
+        <p:nvSpPr>
+          <p:cNvPr id="32" name="타원 31">
+            <a:extLst>
+              <a:ext uri="{FF2B5EF4-FFF2-40B4-BE49-F238E27FC236}">
+                <a16:creationId xmlns:a16="http://schemas.microsoft.com/office/drawing/2014/main" id="{0332E4D6-9AB9-4A2E-941D-C097FCF297B7}"/>
+              </a:ext>
+            </a:extLst>
+          </p:cNvPr>
+          <p:cNvSpPr/>
+          <p:nvPr/>
+        </p:nvSpPr>
+        <p:spPr>
+          <a:xfrm>
+            <a:off x="7421261" y="1976686"/>
+            <a:ext cx="178096" cy="178096"/>
+          </a:xfrm>
+          <a:prstGeom prst="ellipse">
+            <a:avLst/>
+          </a:prstGeom>
+          <a:solidFill>
+            <a:schemeClr val="bg1"/>
+          </a:solidFill>
+          <a:ln w="101600">
+            <a:solidFill>
+              <a:schemeClr val="bg1"/>
+            </a:solidFill>
+          </a:ln>
+          <a:effectLst>
+            <a:outerShdw sx="144000" sy="144000" algn="ctr" rotWithShape="0">
+              <a:schemeClr val="bg1">
+                <a:alpha val="40000"/>
+              </a:schemeClr>
+            </a:outerShdw>
+          </a:effectLst>
+        </p:spPr>
+        <p:style>
+          <a:lnRef idx="2">
+            <a:schemeClr val="accent1">
+              <a:shade val="50000"/>
+            </a:schemeClr>
+          </a:lnRef>
+          <a:fillRef idx="1">
+            <a:schemeClr val="accent1"/>
+          </a:fillRef>
+          <a:effectRef idx="0">
+            <a:schemeClr val="accent1"/>
+          </a:effectRef>
+          <a:fontRef idx="minor">
+            <a:schemeClr val="lt1"/>
+          </a:fontRef>
+        </p:style>
+        <p:txBody>
+          <a:bodyPr rtlCol="0" anchor="ctr"/>
+          <a:lstStyle/>
+          <a:p>
+            <a:pPr algn="ctr"/>
+            <a:r>
+              <a:rPr lang="en-US" altLang="ko-KR" sz="1200" b="1" dirty="0">
+                <a:solidFill>
+                  <a:srgbClr val="2A2B40"/>
+                </a:solidFill>
+              </a:rPr>
+              <a:t>3</a:t>
+            </a:r>
+            <a:endParaRPr lang="ko-KR" altLang="en-US" sz="1200" b="1" dirty="0">
+              <a:solidFill>
+                <a:srgbClr val="2A2B40"/>
+              </a:solidFill>
+            </a:endParaRPr>
+          </a:p>
+        </p:txBody>
+      </p:sp>
+      <p:sp>
+        <p:nvSpPr>
+          <p:cNvPr id="33" name="타원 32"/>
+          <p:cNvSpPr/>
+          <p:nvPr/>
+        </p:nvSpPr>
+        <p:spPr>
+          <a:xfrm>
+            <a:off x="6753201" y="2438533"/>
+            <a:ext cx="1472400" cy="1472400"/>
+          </a:xfrm>
+          <a:prstGeom prst="ellipse">
+            <a:avLst/>
+          </a:prstGeom>
+          <a:solidFill>
+            <a:schemeClr val="bg1"/>
+          </a:solidFill>
+          <a:ln>
+            <a:noFill/>
+          </a:ln>
+        </p:spPr>
+        <p:style>
+          <a:lnRef idx="2">
+            <a:schemeClr val="accent1">
+              <a:shade val="50000"/>
+            </a:schemeClr>
+          </a:lnRef>
+          <a:fillRef idx="1">
+            <a:schemeClr val="accent1"/>
+          </a:fillRef>
+          <a:effectRef idx="0">
+            <a:schemeClr val="accent1"/>
+          </a:effectRef>
+          <a:fontRef idx="minor">
+            <a:schemeClr val="lt1"/>
+          </a:fontRef>
+        </p:style>
+        <p:txBody>
+          <a:bodyPr rtlCol="0" anchor="ctr"/>
+          <a:lstStyle/>
+          <a:p>
+            <a:pPr algn="ctr"/>
+            <a:endParaRPr lang="ko-KR" altLang="en-US"/>
+          </a:p>
+        </p:txBody>
+      </p:sp>
+      <p:sp>
+        <p:nvSpPr>
+          <p:cNvPr id="34" name="직사각형 33">
+            <a:extLst>
+              <a:ext uri="{FF2B5EF4-FFF2-40B4-BE49-F238E27FC236}">
+                <a16:creationId xmlns:a16="http://schemas.microsoft.com/office/drawing/2014/main" id="{A34BD671-A11D-4620-89F9-9B9BBF31BA8A}"/>
+              </a:ext>
+            </a:extLst>
+          </p:cNvPr>
+          <p:cNvSpPr/>
+          <p:nvPr/>
+        </p:nvSpPr>
+        <p:spPr>
+          <a:xfrm>
+            <a:off x="6609664" y="4983965"/>
+            <a:ext cx="1759474" cy="354241"/>
+          </a:xfrm>
+          <a:prstGeom prst="rect">
+            <a:avLst/>
+          </a:prstGeom>
+          <a:noFill/>
+          <a:ln>
+            <a:noFill/>
+          </a:ln>
+        </p:spPr>
+        <p:style>
+          <a:lnRef idx="2">
+            <a:schemeClr val="accent1">
+              <a:shade val="50000"/>
+            </a:schemeClr>
+          </a:lnRef>
+          <a:fillRef idx="1">
+            <a:schemeClr val="accent1"/>
+          </a:fillRef>
+          <a:effectRef idx="0">
+            <a:schemeClr val="accent1"/>
+          </a:effectRef>
+          <a:fontRef idx="minor">
+            <a:schemeClr val="lt1"/>
+          </a:fontRef>
+        </p:style>
+        <p:txBody>
+          <a:bodyPr rtlCol="0" anchor="ctr"/>
+          <a:lstStyle/>
+          <a:p>
+            <a:pPr algn="ctr">
+              <a:lnSpc>
+                <a:spcPct val="150000"/>
+              </a:lnSpc>
+            </a:pPr>
+            <a:r>
+              <a:rPr lang="en-US" altLang="ko-KR" sz="1400" dirty="0" smtClean="0">
+                <a:solidFill>
+                  <a:prstClr val="white"/>
+                </a:solidFill>
+              </a:rPr>
+              <a:t>ORACLE</a:t>
+            </a:r>
+            <a:endParaRPr lang="ko-KR" altLang="en-US" sz="1400" dirty="0">
+              <a:solidFill>
+                <a:prstClr val="white"/>
+              </a:solidFill>
+            </a:endParaRPr>
+          </a:p>
+        </p:txBody>
+      </p:sp>
+      <p:pic>
+        <p:nvPicPr>
+          <p:cNvPr id="8" name="그림 7"/>
+          <p:cNvPicPr>
+            <a:picLocks noChangeAspect="1"/>
+          </p:cNvPicPr>
+          <p:nvPr/>
+        </p:nvPicPr>
+        <p:blipFill>
+          <a:blip r:embed="rId5">
+            <a:extLst>
+              <a:ext uri="{28A0092B-C50C-407E-A947-70E740481C1C}">
+                <a14:useLocalDpi xmlns:a14="http://schemas.microsoft.com/office/drawing/2010/main" val="0"/>
+              </a:ext>
+            </a:extLst>
+          </a:blip>
+          <a:stretch>
+            <a:fillRect/>
+          </a:stretch>
+        </p:blipFill>
+        <p:spPr>
+          <a:xfrm>
+            <a:off x="6673494" y="2239504"/>
+            <a:ext cx="1673630" cy="1882422"/>
           </a:xfrm>
           <a:prstGeom prst="rect">
             <a:avLst/>
@@ -15589,15 +15941,7 @@
                   <a:prstClr val="white"/>
                 </a:solidFill>
               </a:rPr>
-              <a:t>프로그램 </a:t>
-            </a:r>
-            <a:r>
-              <a:rPr lang="ko-KR" altLang="en-US" b="1" i="1" u="sng" dirty="0" smtClean="0">
-                <a:solidFill>
-                  <a:prstClr val="white"/>
-                </a:solidFill>
-              </a:rPr>
-              <a:t>제작 개요 </a:t>
+              <a:t>프로그램 제작 개요 </a:t>
             </a:r>
             <a:endParaRPr lang="en-US" altLang="ko-KR" b="1" i="1" u="sng" dirty="0">
               <a:solidFill>
